--- a/Short Talks/Random - Allocation C&CPP/Allocation.pptx
+++ b/Short Talks/Random - Allocation C&CPP/Allocation.pptx
@@ -283,7 +283,7 @@
           <a:p>
             <a:fld id="{9AB483C7-B377-43D9-9F1F-1C9EB4F941CC}" type="datetimeFigureOut">
               <a:rPr lang="en-US" smtClean="0"/>
-              <a:t>11/21/2018</a:t>
+              <a:t>11/22/2018</a:t>
             </a:fld>
             <a:endParaRPr lang="en-US"/>
           </a:p>
@@ -483,7 +483,7 @@
           <a:p>
             <a:fld id="{9AB483C7-B377-43D9-9F1F-1C9EB4F941CC}" type="datetimeFigureOut">
               <a:rPr lang="en-US" smtClean="0"/>
-              <a:t>11/21/2018</a:t>
+              <a:t>11/22/2018</a:t>
             </a:fld>
             <a:endParaRPr lang="en-US"/>
           </a:p>
@@ -693,7 +693,7 @@
           <a:p>
             <a:fld id="{9AB483C7-B377-43D9-9F1F-1C9EB4F941CC}" type="datetimeFigureOut">
               <a:rPr lang="en-US" smtClean="0"/>
-              <a:t>11/21/2018</a:t>
+              <a:t>11/22/2018</a:t>
             </a:fld>
             <a:endParaRPr lang="en-US"/>
           </a:p>
@@ -893,7 +893,7 @@
           <a:p>
             <a:fld id="{9AB483C7-B377-43D9-9F1F-1C9EB4F941CC}" type="datetimeFigureOut">
               <a:rPr lang="en-US" smtClean="0"/>
-              <a:t>11/21/2018</a:t>
+              <a:t>11/22/2018</a:t>
             </a:fld>
             <a:endParaRPr lang="en-US"/>
           </a:p>
@@ -1169,7 +1169,7 @@
           <a:p>
             <a:fld id="{9AB483C7-B377-43D9-9F1F-1C9EB4F941CC}" type="datetimeFigureOut">
               <a:rPr lang="en-US" smtClean="0"/>
-              <a:t>11/21/2018</a:t>
+              <a:t>11/22/2018</a:t>
             </a:fld>
             <a:endParaRPr lang="en-US"/>
           </a:p>
@@ -1437,7 +1437,7 @@
           <a:p>
             <a:fld id="{9AB483C7-B377-43D9-9F1F-1C9EB4F941CC}" type="datetimeFigureOut">
               <a:rPr lang="en-US" smtClean="0"/>
-              <a:t>11/21/2018</a:t>
+              <a:t>11/22/2018</a:t>
             </a:fld>
             <a:endParaRPr lang="en-US"/>
           </a:p>
@@ -1852,7 +1852,7 @@
           <a:p>
             <a:fld id="{9AB483C7-B377-43D9-9F1F-1C9EB4F941CC}" type="datetimeFigureOut">
               <a:rPr lang="en-US" smtClean="0"/>
-              <a:t>11/21/2018</a:t>
+              <a:t>11/22/2018</a:t>
             </a:fld>
             <a:endParaRPr lang="en-US"/>
           </a:p>
@@ -1994,7 +1994,7 @@
           <a:p>
             <a:fld id="{9AB483C7-B377-43D9-9F1F-1C9EB4F941CC}" type="datetimeFigureOut">
               <a:rPr lang="en-US" smtClean="0"/>
-              <a:t>11/21/2018</a:t>
+              <a:t>11/22/2018</a:t>
             </a:fld>
             <a:endParaRPr lang="en-US"/>
           </a:p>
@@ -2107,7 +2107,7 @@
           <a:p>
             <a:fld id="{9AB483C7-B377-43D9-9F1F-1C9EB4F941CC}" type="datetimeFigureOut">
               <a:rPr lang="en-US" smtClean="0"/>
-              <a:t>11/21/2018</a:t>
+              <a:t>11/22/2018</a:t>
             </a:fld>
             <a:endParaRPr lang="en-US"/>
           </a:p>
@@ -2420,7 +2420,7 @@
           <a:p>
             <a:fld id="{9AB483C7-B377-43D9-9F1F-1C9EB4F941CC}" type="datetimeFigureOut">
               <a:rPr lang="en-US" smtClean="0"/>
-              <a:t>11/21/2018</a:t>
+              <a:t>11/22/2018</a:t>
             </a:fld>
             <a:endParaRPr lang="en-US"/>
           </a:p>
@@ -2709,7 +2709,7 @@
           <a:p>
             <a:fld id="{9AB483C7-B377-43D9-9F1F-1C9EB4F941CC}" type="datetimeFigureOut">
               <a:rPr lang="en-US" smtClean="0"/>
-              <a:t>11/21/2018</a:t>
+              <a:t>11/22/2018</a:t>
             </a:fld>
             <a:endParaRPr lang="en-US"/>
           </a:p>
@@ -2952,7 +2952,7 @@
           <a:p>
             <a:fld id="{9AB483C7-B377-43D9-9F1F-1C9EB4F941CC}" type="datetimeFigureOut">
               <a:rPr lang="en-US" smtClean="0"/>
-              <a:t>11/21/2018</a:t>
+              <a:t>11/22/2018</a:t>
             </a:fld>
             <a:endParaRPr lang="en-US"/>
           </a:p>
@@ -6129,10 +6129,10 @@
       </p:sp>
       <p:pic>
         <p:nvPicPr>
-          <p:cNvPr id="3" name="Obraz 2">
-            <a:extLst>
-              <a:ext uri="{FF2B5EF4-FFF2-40B4-BE49-F238E27FC236}">
-                <a16:creationId xmlns:a16="http://schemas.microsoft.com/office/drawing/2014/main" id="{E22DE19D-C3F0-4C27-BBC7-8F5D5E0EE868}"/>
+          <p:cNvPr id="4" name="Obraz 3">
+            <a:extLst>
+              <a:ext uri="{FF2B5EF4-FFF2-40B4-BE49-F238E27FC236}">
+                <a16:creationId xmlns:a16="http://schemas.microsoft.com/office/drawing/2014/main" id="{B82C7869-894B-4198-B52F-C78F897B35E3}"/>
               </a:ext>
             </a:extLst>
           </p:cNvPr>
@@ -6149,8 +6149,8 @@
         </p:blipFill>
         <p:spPr>
           <a:xfrm>
-            <a:off x="914400" y="2343142"/>
-            <a:ext cx="5181600" cy="3930112"/>
+            <a:off x="902563" y="2343142"/>
+            <a:ext cx="3704948" cy="4461456"/>
           </a:xfrm>
           <a:prstGeom prst="rect">
             <a:avLst/>

--- a/Short Talks/Random - Allocation C&CPP/Allocation.pptx
+++ b/Short Talks/Random - Allocation C&CPP/Allocation.pptx
@@ -17,9 +17,9 @@
     <p:sldId id="273" r:id="rId11"/>
     <p:sldId id="274" r:id="rId12"/>
     <p:sldId id="265" r:id="rId13"/>
-    <p:sldId id="275" r:id="rId14"/>
-    <p:sldId id="276" r:id="rId15"/>
-    <p:sldId id="277" r:id="rId16"/>
+    <p:sldId id="277" r:id="rId14"/>
+    <p:sldId id="275" r:id="rId15"/>
+    <p:sldId id="276" r:id="rId16"/>
     <p:sldId id="278" r:id="rId17"/>
     <p:sldId id="279" r:id="rId18"/>
     <p:sldId id="282" r:id="rId19"/>
@@ -4012,18 +4012,53 @@
           <a:p>
             <a:r>
               <a:rPr lang="pl-PL" dirty="0"/>
-              <a:t>Stos – ćwiczenie 0b</a:t>
+              <a:t>Stos – ćwiczenie 1/4</a:t>
             </a:r>
             <a:endParaRPr lang="en-US" dirty="0"/>
+          </a:p>
+        </p:txBody>
+      </p:sp>
+      <p:sp>
+        <p:nvSpPr>
+          <p:cNvPr id="4" name="pole tekstowe 3">
+            <a:extLst>
+              <a:ext uri="{FF2B5EF4-FFF2-40B4-BE49-F238E27FC236}">
+                <a16:creationId xmlns:a16="http://schemas.microsoft.com/office/drawing/2014/main" id="{7FA46731-B0B3-428A-9765-AB5FB37DF16C}"/>
+              </a:ext>
+            </a:extLst>
+          </p:cNvPr>
+          <p:cNvSpPr txBox="1"/>
+          <p:nvPr/>
+        </p:nvSpPr>
+        <p:spPr>
+          <a:xfrm>
+            <a:off x="648070" y="1690688"/>
+            <a:ext cx="8930936" cy="369332"/>
+          </a:xfrm>
+          <a:prstGeom prst="rect">
+            <a:avLst/>
+          </a:prstGeom>
+          <a:noFill/>
+        </p:spPr>
+        <p:txBody>
+          <a:bodyPr wrap="square" rtlCol="0">
+            <a:spAutoFit/>
+          </a:bodyPr>
+          <a:lstStyle/>
+          <a:p>
+            <a:r>
+              <a:rPr lang="pl-PL" dirty="0"/>
+              <a:t>Narysować stan stosu w wybranym momencie wykonania kodu</a:t>
+            </a:r>
           </a:p>
         </p:txBody>
       </p:sp>
       <p:pic>
         <p:nvPicPr>
-          <p:cNvPr id="4" name="Obraz 3">
-            <a:extLst>
-              <a:ext uri="{FF2B5EF4-FFF2-40B4-BE49-F238E27FC236}">
-                <a16:creationId xmlns:a16="http://schemas.microsoft.com/office/drawing/2014/main" id="{0838A43D-FF04-4A3C-8421-2F979719C2F6}"/>
+          <p:cNvPr id="6" name="Obraz 5">
+            <a:extLst>
+              <a:ext uri="{FF2B5EF4-FFF2-40B4-BE49-F238E27FC236}">
+                <a16:creationId xmlns:a16="http://schemas.microsoft.com/office/drawing/2014/main" id="{981093FD-5771-41B9-858E-2149AA343098}"/>
               </a:ext>
             </a:extLst>
           </p:cNvPr>
@@ -4040,8 +4075,8 @@
         </p:blipFill>
         <p:spPr>
           <a:xfrm>
-            <a:off x="688112" y="1690688"/>
-            <a:ext cx="5712688" cy="4909925"/>
+            <a:off x="648070" y="2212343"/>
+            <a:ext cx="9502328" cy="3602531"/>
           </a:xfrm>
           <a:prstGeom prst="rect">
             <a:avLst/>
@@ -4051,7 +4086,7 @@
     </p:spTree>
     <p:extLst>
       <p:ext uri="{BB962C8B-B14F-4D97-AF65-F5344CB8AC3E}">
-        <p14:creationId xmlns:p14="http://schemas.microsoft.com/office/powerpoint/2010/main" val="3486113956"/>
+        <p14:creationId xmlns:p14="http://schemas.microsoft.com/office/powerpoint/2010/main" val="1955646394"/>
       </p:ext>
     </p:extLst>
   </p:cSld>
@@ -4109,10 +4144,10 @@
       </p:sp>
       <p:pic>
         <p:nvPicPr>
-          <p:cNvPr id="3" name="Obraz 2">
-            <a:extLst>
-              <a:ext uri="{FF2B5EF4-FFF2-40B4-BE49-F238E27FC236}">
-                <a16:creationId xmlns:a16="http://schemas.microsoft.com/office/drawing/2014/main" id="{5EBC6946-C1CB-427D-AC3E-AF050983A18F}"/>
+          <p:cNvPr id="4" name="Obraz 3">
+            <a:extLst>
+              <a:ext uri="{FF2B5EF4-FFF2-40B4-BE49-F238E27FC236}">
+                <a16:creationId xmlns:a16="http://schemas.microsoft.com/office/drawing/2014/main" id="{0838A43D-FF04-4A3C-8421-2F979719C2F6}"/>
               </a:ext>
             </a:extLst>
           </p:cNvPr>
@@ -4129,8 +4164,8 @@
         </p:blipFill>
         <p:spPr>
           <a:xfrm>
-            <a:off x="0" y="1354843"/>
-            <a:ext cx="12192000" cy="5078108"/>
+            <a:off x="688112" y="1690688"/>
+            <a:ext cx="5712688" cy="4909925"/>
           </a:xfrm>
           <a:prstGeom prst="rect">
             <a:avLst/>
@@ -4140,7 +4175,7 @@
     </p:spTree>
     <p:extLst>
       <p:ext uri="{BB962C8B-B14F-4D97-AF65-F5344CB8AC3E}">
-        <p14:creationId xmlns:p14="http://schemas.microsoft.com/office/powerpoint/2010/main" val="1862662897"/>
+        <p14:creationId xmlns:p14="http://schemas.microsoft.com/office/powerpoint/2010/main" val="1029150985"/>
       </p:ext>
     </p:extLst>
   </p:cSld>
@@ -4190,53 +4225,18 @@
           <a:p>
             <a:r>
               <a:rPr lang="pl-PL" dirty="0"/>
-              <a:t>Stos – ćwiczenie 1/4</a:t>
+              <a:t>Stos – ćwiczenie 0b</a:t>
             </a:r>
             <a:endParaRPr lang="en-US" dirty="0"/>
-          </a:p>
-        </p:txBody>
-      </p:sp>
-      <p:sp>
-        <p:nvSpPr>
-          <p:cNvPr id="4" name="pole tekstowe 3">
-            <a:extLst>
-              <a:ext uri="{FF2B5EF4-FFF2-40B4-BE49-F238E27FC236}">
-                <a16:creationId xmlns:a16="http://schemas.microsoft.com/office/drawing/2014/main" id="{7FA46731-B0B3-428A-9765-AB5FB37DF16C}"/>
-              </a:ext>
-            </a:extLst>
-          </p:cNvPr>
-          <p:cNvSpPr txBox="1"/>
-          <p:nvPr/>
-        </p:nvSpPr>
-        <p:spPr>
-          <a:xfrm>
-            <a:off x="648070" y="1690688"/>
-            <a:ext cx="8930936" cy="369332"/>
-          </a:xfrm>
-          <a:prstGeom prst="rect">
-            <a:avLst/>
-          </a:prstGeom>
-          <a:noFill/>
-        </p:spPr>
-        <p:txBody>
-          <a:bodyPr wrap="square" rtlCol="0">
-            <a:spAutoFit/>
-          </a:bodyPr>
-          <a:lstStyle/>
-          <a:p>
-            <a:r>
-              <a:rPr lang="pl-PL" dirty="0"/>
-              <a:t>Narysować stan stosu w wybranym momencie wykonania kodu</a:t>
-            </a:r>
           </a:p>
         </p:txBody>
       </p:sp>
       <p:pic>
         <p:nvPicPr>
-          <p:cNvPr id="6" name="Obraz 5">
-            <a:extLst>
-              <a:ext uri="{FF2B5EF4-FFF2-40B4-BE49-F238E27FC236}">
-                <a16:creationId xmlns:a16="http://schemas.microsoft.com/office/drawing/2014/main" id="{981093FD-5771-41B9-858E-2149AA343098}"/>
+          <p:cNvPr id="3" name="Obraz 2">
+            <a:extLst>
+              <a:ext uri="{FF2B5EF4-FFF2-40B4-BE49-F238E27FC236}">
+                <a16:creationId xmlns:a16="http://schemas.microsoft.com/office/drawing/2014/main" id="{5EBC6946-C1CB-427D-AC3E-AF050983A18F}"/>
               </a:ext>
             </a:extLst>
           </p:cNvPr>
@@ -4253,8 +4253,8 @@
         </p:blipFill>
         <p:spPr>
           <a:xfrm>
-            <a:off x="648070" y="2212343"/>
-            <a:ext cx="9502328" cy="3602531"/>
+            <a:off x="0" y="1354843"/>
+            <a:ext cx="12192000" cy="5078108"/>
           </a:xfrm>
           <a:prstGeom prst="rect">
             <a:avLst/>
@@ -4264,7 +4264,7 @@
     </p:spTree>
     <p:extLst>
       <p:ext uri="{BB962C8B-B14F-4D97-AF65-F5344CB8AC3E}">
-        <p14:creationId xmlns:p14="http://schemas.microsoft.com/office/powerpoint/2010/main" val="1955646394"/>
+        <p14:creationId xmlns:p14="http://schemas.microsoft.com/office/powerpoint/2010/main" val="2684518535"/>
       </p:ext>
     </p:extLst>
   </p:cSld>

--- a/Short Talks/Random - Allocation C&CPP/Allocation.pptx
+++ b/Short Talks/Random - Allocation C&CPP/Allocation.pptx
@@ -5136,7 +5136,7 @@
         <p:spPr>
           <a:xfrm>
             <a:off x="838200" y="1846555"/>
-            <a:ext cx="10267765" cy="3416320"/>
+            <a:ext cx="10267765" cy="3693319"/>
           </a:xfrm>
           <a:prstGeom prst="rect">
             <a:avLst/>
@@ -5287,7 +5287,16 @@
               <a:rPr lang="pl-PL" dirty="0"/>
               <a:t>w pamięci na ciężki do określenia czas…</a:t>
             </a:r>
-            <a:endParaRPr lang="pl-PL" b="1" dirty="0"/>
+          </a:p>
+          <a:p>
+            <a:pPr marL="285750" indent="-285750">
+              <a:buFont typeface="Arial" panose="020B0604020202020204" pitchFamily="34" charset="0"/>
+              <a:buChar char="•"/>
+            </a:pPr>
+            <a:r>
+              <a:rPr lang="pl-PL" b="1" u="sng" dirty="0"/>
+              <a:t>Wartości parametrów są kopiowane</a:t>
+            </a:r>
           </a:p>
           <a:p>
             <a:endParaRPr lang="pl-PL" dirty="0"/>
